--- a/スライド等/アルゴリズム紹介.pptx
+++ b/スライド等/アルゴリズム紹介.pptx
@@ -260,7 +260,7 @@
           <a:p>
             <a:fld id="{39E40498-66E0-49EA-ADBC-0D4A07D7E40C}" type="datetimeFigureOut">
               <a:rPr kumimoji="1" lang="ja-JP" altLang="en-US" smtClean="0"/>
-              <a:t>2022/12/9</a:t>
+              <a:t>2022/12/10</a:t>
             </a:fld>
             <a:endParaRPr kumimoji="1" lang="ja-JP" altLang="en-US"/>
           </a:p>
@@ -490,7 +490,7 @@
           <a:p>
             <a:fld id="{39E40498-66E0-49EA-ADBC-0D4A07D7E40C}" type="datetimeFigureOut">
               <a:rPr kumimoji="1" lang="ja-JP" altLang="en-US" smtClean="0"/>
-              <a:t>2022/12/9</a:t>
+              <a:t>2022/12/10</a:t>
             </a:fld>
             <a:endParaRPr kumimoji="1" lang="ja-JP" altLang="en-US"/>
           </a:p>
@@ -730,7 +730,7 @@
           <a:p>
             <a:fld id="{39E40498-66E0-49EA-ADBC-0D4A07D7E40C}" type="datetimeFigureOut">
               <a:rPr kumimoji="1" lang="ja-JP" altLang="en-US" smtClean="0"/>
-              <a:t>2022/12/9</a:t>
+              <a:t>2022/12/10</a:t>
             </a:fld>
             <a:endParaRPr kumimoji="1" lang="ja-JP" altLang="en-US"/>
           </a:p>
@@ -960,7 +960,7 @@
           <a:p>
             <a:fld id="{39E40498-66E0-49EA-ADBC-0D4A07D7E40C}" type="datetimeFigureOut">
               <a:rPr kumimoji="1" lang="ja-JP" altLang="en-US" smtClean="0"/>
-              <a:t>2022/12/9</a:t>
+              <a:t>2022/12/10</a:t>
             </a:fld>
             <a:endParaRPr kumimoji="1" lang="ja-JP" altLang="en-US"/>
           </a:p>
@@ -1235,7 +1235,7 @@
           <a:p>
             <a:fld id="{39E40498-66E0-49EA-ADBC-0D4A07D7E40C}" type="datetimeFigureOut">
               <a:rPr kumimoji="1" lang="ja-JP" altLang="en-US" smtClean="0"/>
-              <a:t>2022/12/9</a:t>
+              <a:t>2022/12/10</a:t>
             </a:fld>
             <a:endParaRPr kumimoji="1" lang="ja-JP" altLang="en-US"/>
           </a:p>
@@ -1564,7 +1564,7 @@
           <a:p>
             <a:fld id="{39E40498-66E0-49EA-ADBC-0D4A07D7E40C}" type="datetimeFigureOut">
               <a:rPr kumimoji="1" lang="ja-JP" altLang="en-US" smtClean="0"/>
-              <a:t>2022/12/9</a:t>
+              <a:t>2022/12/10</a:t>
             </a:fld>
             <a:endParaRPr kumimoji="1" lang="ja-JP" altLang="en-US"/>
           </a:p>
@@ -2040,7 +2040,7 @@
           <a:p>
             <a:fld id="{39E40498-66E0-49EA-ADBC-0D4A07D7E40C}" type="datetimeFigureOut">
               <a:rPr kumimoji="1" lang="ja-JP" altLang="en-US" smtClean="0"/>
-              <a:t>2022/12/9</a:t>
+              <a:t>2022/12/10</a:t>
             </a:fld>
             <a:endParaRPr kumimoji="1" lang="ja-JP" altLang="en-US"/>
           </a:p>
@@ -2181,7 +2181,7 @@
           <a:p>
             <a:fld id="{39E40498-66E0-49EA-ADBC-0D4A07D7E40C}" type="datetimeFigureOut">
               <a:rPr kumimoji="1" lang="ja-JP" altLang="en-US" smtClean="0"/>
-              <a:t>2022/12/9</a:t>
+              <a:t>2022/12/10</a:t>
             </a:fld>
             <a:endParaRPr kumimoji="1" lang="ja-JP" altLang="en-US"/>
           </a:p>
@@ -2294,7 +2294,7 @@
           <a:p>
             <a:fld id="{39E40498-66E0-49EA-ADBC-0D4A07D7E40C}" type="datetimeFigureOut">
               <a:rPr kumimoji="1" lang="ja-JP" altLang="en-US" smtClean="0"/>
-              <a:t>2022/12/9</a:t>
+              <a:t>2022/12/10</a:t>
             </a:fld>
             <a:endParaRPr kumimoji="1" lang="ja-JP" altLang="en-US"/>
           </a:p>
@@ -2637,7 +2637,7 @@
           <a:p>
             <a:fld id="{39E40498-66E0-49EA-ADBC-0D4A07D7E40C}" type="datetimeFigureOut">
               <a:rPr kumimoji="1" lang="ja-JP" altLang="en-US" smtClean="0"/>
-              <a:t>2022/12/9</a:t>
+              <a:t>2022/12/10</a:t>
             </a:fld>
             <a:endParaRPr kumimoji="1" lang="ja-JP" altLang="en-US"/>
           </a:p>
@@ -2925,7 +2925,7 @@
           <a:p>
             <a:fld id="{39E40498-66E0-49EA-ADBC-0D4A07D7E40C}" type="datetimeFigureOut">
               <a:rPr kumimoji="1" lang="ja-JP" altLang="en-US" smtClean="0"/>
-              <a:t>2022/12/9</a:t>
+              <a:t>2022/12/10</a:t>
             </a:fld>
             <a:endParaRPr kumimoji="1" lang="ja-JP" altLang="en-US"/>
           </a:p>
@@ -3198,7 +3198,7 @@
           <a:p>
             <a:fld id="{39E40498-66E0-49EA-ADBC-0D4A07D7E40C}" type="datetimeFigureOut">
               <a:rPr kumimoji="1" lang="ja-JP" altLang="en-US" smtClean="0"/>
-              <a:t>2022/12/9</a:t>
+              <a:t>2022/12/10</a:t>
             </a:fld>
             <a:endParaRPr kumimoji="1" lang="ja-JP" altLang="en-US"/>
           </a:p>
@@ -5786,8 +5786,8 @@
           <a:lstStyle/>
           <a:p>
             <a:r>
-              <a:rPr kumimoji="1" lang="ja-JP" altLang="en-US" dirty="0"/>
-              <a:t>基本左手法</a:t>
+              <a:rPr kumimoji="1" lang="ja-JP" altLang="en-US"/>
+              <a:t>基本右手法</a:t>
             </a:r>
             <a:endParaRPr kumimoji="1" lang="en-US" altLang="ja-JP" dirty="0"/>
           </a:p>
